--- a/Final_Project_PPT.pptx
+++ b/Final_Project_PPT.pptx
@@ -15,8 +15,8 @@
     <p:sldId id="263" r:id="rId9"/>
     <p:sldId id="264" r:id="rId10"/>
     <p:sldId id="265" r:id="rId11"/>
-    <p:sldId id="266" r:id="rId12"/>
-    <p:sldId id="267" r:id="rId13"/>
+    <p:sldId id="267" r:id="rId12"/>
+    <p:sldId id="266" r:id="rId13"/>
     <p:sldId id="268" r:id="rId14"/>
     <p:sldId id="269" r:id="rId15"/>
     <p:sldId id="270" r:id="rId16"/>
@@ -307,7 +307,7 @@
           <a:p>
             <a:fld id="{1D8BD707-D9CF-40AE-B4C6-C98DA3205C09}" type="datetimeFigureOut">
               <a:rPr lang="en-US"/>
-              <a:t>12/10/2023</a:t>
+              <a:t>12/11/2023</a:t>
             </a:fld>
             <a:endParaRPr lang="en-US"/>
           </a:p>
@@ -490,7 +490,7 @@
           <a:p>
             <a:fld id="{1D8BD707-D9CF-40AE-B4C6-C98DA3205C09}" type="datetimeFigureOut">
               <a:rPr lang="en-US"/>
-              <a:t>12/10/2023</a:t>
+              <a:t>12/11/2023</a:t>
             </a:fld>
             <a:endParaRPr lang="en-US"/>
           </a:p>
@@ -710,7 +710,7 @@
           <a:p>
             <a:fld id="{1D8BD707-D9CF-40AE-B4C6-C98DA3205C09}" type="datetimeFigureOut">
               <a:rPr lang="en-US"/>
-              <a:t>12/10/2023</a:t>
+              <a:t>12/11/2023</a:t>
             </a:fld>
             <a:endParaRPr lang="en-US"/>
           </a:p>
@@ -1014,7 +1014,7 @@
           <a:p>
             <a:fld id="{1D8BD707-D9CF-40AE-B4C6-C98DA3205C09}" type="datetimeFigureOut">
               <a:rPr lang="en-US"/>
-              <a:t>12/10/2023</a:t>
+              <a:t>12/11/2023</a:t>
             </a:fld>
             <a:endParaRPr lang="en-US"/>
           </a:p>
@@ -1289,7 +1289,7 @@
           <a:p>
             <a:fld id="{1D8BD707-D9CF-40AE-B4C6-C98DA3205C09}" type="datetimeFigureOut">
               <a:rPr lang="en-US"/>
-              <a:t>12/10/2023</a:t>
+              <a:t>12/11/2023</a:t>
             </a:fld>
             <a:endParaRPr lang="en-US"/>
           </a:p>
@@ -1620,7 +1620,7 @@
           <a:p>
             <a:fld id="{1D8BD707-D9CF-40AE-B4C6-C98DA3205C09}" type="datetimeFigureOut">
               <a:rPr lang="en-US"/>
-              <a:t>12/10/2023</a:t>
+              <a:t>12/11/2023</a:t>
             </a:fld>
             <a:endParaRPr lang="en-US"/>
           </a:p>
@@ -2137,7 +2137,7 @@
               </a:spcBef>
             </a:pPr>
             <a:r>
-              <a:rPr lang="en-IN" sz="2400" spc="70" dirty="0">
+              <a:rPr lang="en-US" sz="2400" spc="130" dirty="0">
                 <a:solidFill>
                   <a:srgbClr val="616E52"/>
                 </a:solidFill>
@@ -2145,9 +2145,9 @@
                 <a:cs typeface="Arial"/>
                 <a:hlinkClick r:id="rId2"/>
               </a:rPr>
-              <a:t>https://github.com/navassherif98</a:t>
-            </a:r>
-            <a:endParaRPr lang="en-IN" sz="2400" spc="70" dirty="0">
+              <a:t>https://github.com/Ilhamshuu</a:t>
+            </a:r>
+            <a:endParaRPr lang="en-US" sz="2400" spc="130" dirty="0">
               <a:solidFill>
                 <a:srgbClr val="616E52"/>
               </a:solidFill>
@@ -2383,7 +2383,7 @@
         <p:spPr>
           <a:xfrm>
             <a:off x="916635" y="1907024"/>
-            <a:ext cx="11766883" cy="3758337"/>
+            <a:ext cx="11766883" cy="2938368"/>
           </a:xfrm>
           <a:prstGeom prst="rect">
             <a:avLst/>
@@ -3213,7 +3213,7 @@
                 <a:cs typeface="Carlito"/>
                 <a:hlinkClick r:id="rId2"/>
               </a:rPr>
-              <a:t>https://github.com/navassherif98/IBM_Data_Science_Professional_Certification/blob/master/10.Applied_Data_Science_Capstone/Week%201%20Introduction/Data%20wrangling%20.ipynb</a:t>
+              <a:t>Data Wrangling Link</a:t>
             </a:r>
             <a:endParaRPr sz="1800" dirty="0">
               <a:latin typeface="Carlito"/>
@@ -3231,6 +3231,708 @@
 </file>
 
 <file path=ppt/slides/slide11.xml><?xml version="1.0" encoding="utf-8"?>
+<p:sld xmlns:a="http://schemas.openxmlformats.org/drawingml/2006/main" xmlns:r="http://schemas.openxmlformats.org/officeDocument/2006/relationships" xmlns:p="http://schemas.openxmlformats.org/presentationml/2006/main">
+  <p:cSld>
+    <p:spTree>
+      <p:nvGrpSpPr>
+        <p:cNvPr id="1" name=""/>
+        <p:cNvGrpSpPr/>
+        <p:nvPr/>
+      </p:nvGrpSpPr>
+      <p:grpSpPr>
+        <a:xfrm>
+          <a:off x="0" y="0"/>
+          <a:ext cx="0" cy="0"/>
+          <a:chOff x="0" y="0"/>
+          <a:chExt cx="0" cy="0"/>
+        </a:xfrm>
+      </p:grpSpPr>
+      <p:sp>
+        <p:nvSpPr>
+          <p:cNvPr id="2" name="object 2"/>
+          <p:cNvSpPr/>
+          <p:nvPr/>
+        </p:nvSpPr>
+        <p:spPr>
+          <a:xfrm>
+            <a:off x="1193291" y="1737360"/>
+            <a:ext cx="9966960" cy="0"/>
+          </a:xfrm>
+          <a:custGeom>
+            <a:avLst/>
+            <a:gdLst/>
+            <a:ahLst/>
+            <a:cxnLst/>
+            <a:rect l="l" t="t" r="r" b="b"/>
+            <a:pathLst>
+              <a:path w="9966960">
+                <a:moveTo>
+                  <a:pt x="0" y="0"/>
+                </a:moveTo>
+                <a:lnTo>
+                  <a:pt x="9966960" y="0"/>
+                </a:lnTo>
+              </a:path>
+            </a:pathLst>
+          </a:custGeom>
+          <a:ln w="6096">
+            <a:solidFill>
+              <a:srgbClr val="7D7D7D"/>
+            </a:solidFill>
+          </a:ln>
+        </p:spPr>
+        <p:txBody>
+          <a:bodyPr wrap="square" lIns="0" tIns="0" rIns="0" bIns="0" rtlCol="0"/>
+          <a:lstStyle/>
+          <a:p>
+            <a:endParaRPr/>
+          </a:p>
+        </p:txBody>
+      </p:sp>
+      <p:sp>
+        <p:nvSpPr>
+          <p:cNvPr id="3" name="object 3"/>
+          <p:cNvSpPr txBox="1">
+            <a:spLocks noGrp="1"/>
+          </p:cNvSpPr>
+          <p:nvPr>
+            <p:ph type="title"/>
+          </p:nvPr>
+        </p:nvSpPr>
+        <p:spPr>
+          <a:xfrm>
+            <a:off x="1176019" y="808128"/>
+            <a:ext cx="3245485" cy="756920"/>
+          </a:xfrm>
+          <a:prstGeom prst="rect">
+            <a:avLst/>
+          </a:prstGeom>
+        </p:spPr>
+        <p:txBody>
+          <a:bodyPr vert="horz" wrap="square" lIns="0" tIns="12700" rIns="0" bIns="0" rtlCol="0">
+            <a:spAutoFit/>
+          </a:bodyPr>
+          <a:lstStyle/>
+          <a:p>
+            <a:pPr marL="12700">
+              <a:lnSpc>
+                <a:spcPct val="100000"/>
+              </a:lnSpc>
+              <a:spcBef>
+                <a:spcPts val="100"/>
+              </a:spcBef>
+            </a:pPr>
+            <a:r>
+              <a:rPr spc="-670" dirty="0"/>
+              <a:t>EDA </a:t>
+            </a:r>
+            <a:r>
+              <a:rPr spc="-45" dirty="0"/>
+              <a:t>with</a:t>
+            </a:r>
+            <a:r>
+              <a:rPr spc="-280" dirty="0"/>
+              <a:t> </a:t>
+            </a:r>
+            <a:r>
+              <a:rPr spc="-770" dirty="0"/>
+              <a:t>SQL</a:t>
+            </a:r>
+          </a:p>
+        </p:txBody>
+      </p:sp>
+      <p:sp>
+        <p:nvSpPr>
+          <p:cNvPr id="5" name="object 5"/>
+          <p:cNvSpPr txBox="1">
+            <a:spLocks noGrp="1"/>
+          </p:cNvSpPr>
+          <p:nvPr>
+            <p:ph type="sldNum" sz="quarter" idx="7"/>
+          </p:nvPr>
+        </p:nvSpPr>
+        <p:spPr>
+          <a:prstGeom prst="rect">
+            <a:avLst/>
+          </a:prstGeom>
+        </p:spPr>
+        <p:txBody>
+          <a:bodyPr vert="horz" wrap="square" lIns="0" tIns="0" rIns="0" bIns="0" rtlCol="0">
+            <a:spAutoFit/>
+          </a:bodyPr>
+          <a:lstStyle/>
+          <a:p>
+            <a:pPr marL="38100">
+              <a:lnSpc>
+                <a:spcPts val="1100"/>
+              </a:lnSpc>
+            </a:pPr>
+            <a:fld id="{81D60167-4931-47E6-BA6A-407CBD079E47}" type="slidenum">
+              <a:rPr dirty="0"/>
+              <a:t>11</a:t>
+            </a:fld>
+            <a:endParaRPr dirty="0"/>
+          </a:p>
+        </p:txBody>
+      </p:sp>
+      <p:sp>
+        <p:nvSpPr>
+          <p:cNvPr id="4" name="object 4"/>
+          <p:cNvSpPr txBox="1"/>
+          <p:nvPr/>
+        </p:nvSpPr>
+        <p:spPr>
+          <a:xfrm>
+            <a:off x="1176019" y="1622485"/>
+            <a:ext cx="9687560" cy="2979021"/>
+          </a:xfrm>
+          <a:prstGeom prst="rect">
+            <a:avLst/>
+          </a:prstGeom>
+        </p:spPr>
+        <p:txBody>
+          <a:bodyPr vert="horz" wrap="square" lIns="0" tIns="162560" rIns="0" bIns="0" rtlCol="0">
+            <a:spAutoFit/>
+          </a:bodyPr>
+          <a:lstStyle/>
+          <a:p>
+            <a:pPr marL="12700">
+              <a:lnSpc>
+                <a:spcPct val="100000"/>
+              </a:lnSpc>
+              <a:spcBef>
+                <a:spcPts val="1280"/>
+              </a:spcBef>
+            </a:pPr>
+            <a:r>
+              <a:rPr sz="2000" spc="-5" dirty="0">
+                <a:solidFill>
+                  <a:srgbClr val="404040"/>
+                </a:solidFill>
+                <a:latin typeface="Carlito"/>
+                <a:cs typeface="Carlito"/>
+              </a:rPr>
+              <a:t>Loaded </a:t>
+            </a:r>
+            <a:r>
+              <a:rPr sz="2000" spc="-25" dirty="0">
+                <a:solidFill>
+                  <a:srgbClr val="404040"/>
+                </a:solidFill>
+                <a:latin typeface="Carlito"/>
+                <a:cs typeface="Carlito"/>
+              </a:rPr>
+              <a:t>data </a:t>
+            </a:r>
+            <a:r>
+              <a:rPr sz="2000" spc="-10" dirty="0">
+                <a:solidFill>
+                  <a:srgbClr val="404040"/>
+                </a:solidFill>
+                <a:latin typeface="Carlito"/>
+                <a:cs typeface="Carlito"/>
+              </a:rPr>
+              <a:t>set </a:t>
+            </a:r>
+            <a:r>
+              <a:rPr sz="2000" spc="-25" dirty="0">
+                <a:solidFill>
+                  <a:srgbClr val="404040"/>
+                </a:solidFill>
+                <a:latin typeface="Carlito"/>
+                <a:cs typeface="Carlito"/>
+              </a:rPr>
+              <a:t>into </a:t>
+            </a:r>
+            <a:r>
+              <a:rPr sz="2000" dirty="0">
+                <a:solidFill>
+                  <a:srgbClr val="404040"/>
+                </a:solidFill>
+                <a:latin typeface="Carlito"/>
+                <a:cs typeface="Carlito"/>
+              </a:rPr>
+              <a:t>IBM DB2</a:t>
+            </a:r>
+            <a:r>
+              <a:rPr sz="2000" spc="-125" dirty="0">
+                <a:solidFill>
+                  <a:srgbClr val="404040"/>
+                </a:solidFill>
+                <a:latin typeface="Carlito"/>
+                <a:cs typeface="Carlito"/>
+              </a:rPr>
+              <a:t> </a:t>
+            </a:r>
+            <a:r>
+              <a:rPr sz="2000" spc="-5" dirty="0">
+                <a:solidFill>
+                  <a:srgbClr val="404040"/>
+                </a:solidFill>
+                <a:latin typeface="Carlito"/>
+                <a:cs typeface="Carlito"/>
+              </a:rPr>
+              <a:t>Database.</a:t>
+            </a:r>
+            <a:endParaRPr sz="2000" dirty="0">
+              <a:latin typeface="Carlito"/>
+              <a:cs typeface="Carlito"/>
+            </a:endParaRPr>
+          </a:p>
+          <a:p>
+            <a:pPr marL="12700">
+              <a:lnSpc>
+                <a:spcPct val="100000"/>
+              </a:lnSpc>
+              <a:spcBef>
+                <a:spcPts val="1175"/>
+              </a:spcBef>
+            </a:pPr>
+            <a:r>
+              <a:rPr sz="2000" spc="-5" dirty="0">
+                <a:solidFill>
+                  <a:srgbClr val="404040"/>
+                </a:solidFill>
+                <a:latin typeface="Carlito"/>
+                <a:cs typeface="Carlito"/>
+              </a:rPr>
+              <a:t>Queried using SQL </a:t>
+            </a:r>
+            <a:r>
+              <a:rPr sz="2000" dirty="0">
+                <a:solidFill>
+                  <a:srgbClr val="404040"/>
+                </a:solidFill>
+                <a:latin typeface="Carlito"/>
+                <a:cs typeface="Carlito"/>
+              </a:rPr>
+              <a:t>Python</a:t>
+            </a:r>
+            <a:r>
+              <a:rPr sz="2000" spc="-100" dirty="0">
+                <a:solidFill>
+                  <a:srgbClr val="404040"/>
+                </a:solidFill>
+                <a:latin typeface="Carlito"/>
+                <a:cs typeface="Carlito"/>
+              </a:rPr>
+              <a:t> </a:t>
+            </a:r>
+            <a:r>
+              <a:rPr sz="2000" spc="-25" dirty="0">
+                <a:solidFill>
+                  <a:srgbClr val="404040"/>
+                </a:solidFill>
+                <a:latin typeface="Carlito"/>
+                <a:cs typeface="Carlito"/>
+              </a:rPr>
+              <a:t>integration.</a:t>
+            </a:r>
+            <a:endParaRPr sz="2000" dirty="0">
+              <a:latin typeface="Carlito"/>
+              <a:cs typeface="Carlito"/>
+            </a:endParaRPr>
+          </a:p>
+          <a:p>
+            <a:pPr marL="12700">
+              <a:lnSpc>
+                <a:spcPct val="100000"/>
+              </a:lnSpc>
+              <a:spcBef>
+                <a:spcPts val="1560"/>
+              </a:spcBef>
+            </a:pPr>
+            <a:r>
+              <a:rPr sz="2000" spc="-5" dirty="0">
+                <a:solidFill>
+                  <a:srgbClr val="404040"/>
+                </a:solidFill>
+                <a:latin typeface="Carlito"/>
+                <a:cs typeface="Carlito"/>
+              </a:rPr>
+              <a:t>Queries </a:t>
+            </a:r>
+            <a:r>
+              <a:rPr sz="2000" spc="-20" dirty="0">
+                <a:solidFill>
+                  <a:srgbClr val="404040"/>
+                </a:solidFill>
+                <a:latin typeface="Carlito"/>
+                <a:cs typeface="Carlito"/>
+              </a:rPr>
+              <a:t>were </a:t>
+            </a:r>
+            <a:r>
+              <a:rPr sz="2000" dirty="0">
+                <a:solidFill>
+                  <a:srgbClr val="404040"/>
+                </a:solidFill>
+                <a:latin typeface="Carlito"/>
+                <a:cs typeface="Carlito"/>
+              </a:rPr>
+              <a:t>made </a:t>
+            </a:r>
+            <a:r>
+              <a:rPr sz="2000" spc="-20" dirty="0">
+                <a:solidFill>
+                  <a:srgbClr val="404040"/>
+                </a:solidFill>
+                <a:latin typeface="Carlito"/>
+                <a:cs typeface="Carlito"/>
+              </a:rPr>
+              <a:t>to </a:t>
+            </a:r>
+            <a:r>
+              <a:rPr sz="2000" spc="-10" dirty="0">
+                <a:solidFill>
+                  <a:srgbClr val="404040"/>
+                </a:solidFill>
+                <a:latin typeface="Carlito"/>
+                <a:cs typeface="Carlito"/>
+              </a:rPr>
+              <a:t>get </a:t>
+            </a:r>
+            <a:r>
+              <a:rPr sz="2000" dirty="0">
+                <a:solidFill>
+                  <a:srgbClr val="404040"/>
+                </a:solidFill>
+                <a:latin typeface="Carlito"/>
+                <a:cs typeface="Carlito"/>
+              </a:rPr>
+              <a:t>a </a:t>
+            </a:r>
+            <a:r>
+              <a:rPr sz="2000" spc="-25" dirty="0">
+                <a:solidFill>
+                  <a:srgbClr val="404040"/>
+                </a:solidFill>
+                <a:latin typeface="Carlito"/>
+                <a:cs typeface="Carlito"/>
+              </a:rPr>
+              <a:t>better </a:t>
+            </a:r>
+            <a:r>
+              <a:rPr sz="2000" spc="-20" dirty="0">
+                <a:solidFill>
+                  <a:srgbClr val="404040"/>
+                </a:solidFill>
+                <a:latin typeface="Carlito"/>
+                <a:cs typeface="Carlito"/>
+              </a:rPr>
+              <a:t>understanding </a:t>
+            </a:r>
+            <a:r>
+              <a:rPr sz="2000" spc="-5" dirty="0">
+                <a:solidFill>
+                  <a:srgbClr val="404040"/>
+                </a:solidFill>
+                <a:latin typeface="Carlito"/>
+                <a:cs typeface="Carlito"/>
+              </a:rPr>
+              <a:t>of </a:t>
+            </a:r>
+            <a:r>
+              <a:rPr sz="2000" dirty="0">
+                <a:solidFill>
+                  <a:srgbClr val="404040"/>
+                </a:solidFill>
+                <a:latin typeface="Carlito"/>
+                <a:cs typeface="Carlito"/>
+              </a:rPr>
+              <a:t>the</a:t>
+            </a:r>
+            <a:r>
+              <a:rPr sz="2000" spc="25" dirty="0">
+                <a:solidFill>
+                  <a:srgbClr val="404040"/>
+                </a:solidFill>
+                <a:latin typeface="Carlito"/>
+                <a:cs typeface="Carlito"/>
+              </a:rPr>
+              <a:t> </a:t>
+            </a:r>
+            <a:r>
+              <a:rPr sz="2000" spc="-20" dirty="0">
+                <a:solidFill>
+                  <a:srgbClr val="404040"/>
+                </a:solidFill>
+                <a:latin typeface="Carlito"/>
+                <a:cs typeface="Carlito"/>
+              </a:rPr>
+              <a:t>dataset.</a:t>
+            </a:r>
+            <a:endParaRPr sz="2000" dirty="0">
+              <a:latin typeface="Carlito"/>
+              <a:cs typeface="Carlito"/>
+            </a:endParaRPr>
+          </a:p>
+          <a:p>
+            <a:pPr marL="12700" marR="434975">
+              <a:lnSpc>
+                <a:spcPts val="2200"/>
+              </a:lnSpc>
+              <a:spcBef>
+                <a:spcPts val="1440"/>
+              </a:spcBef>
+            </a:pPr>
+            <a:r>
+              <a:rPr sz="2000" spc="-5" dirty="0">
+                <a:solidFill>
+                  <a:srgbClr val="404040"/>
+                </a:solidFill>
+                <a:latin typeface="Carlito"/>
+                <a:cs typeface="Carlito"/>
+              </a:rPr>
+              <a:t>Queried </a:t>
+            </a:r>
+            <a:r>
+              <a:rPr sz="2000" spc="-20" dirty="0">
+                <a:solidFill>
+                  <a:srgbClr val="404040"/>
+                </a:solidFill>
+                <a:latin typeface="Carlito"/>
+                <a:cs typeface="Carlito"/>
+              </a:rPr>
+              <a:t>information </a:t>
+            </a:r>
+            <a:r>
+              <a:rPr sz="2000" dirty="0">
+                <a:solidFill>
+                  <a:srgbClr val="404040"/>
+                </a:solidFill>
+                <a:latin typeface="Carlito"/>
+                <a:cs typeface="Carlito"/>
+              </a:rPr>
+              <a:t>about launch </a:t>
+            </a:r>
+            <a:r>
+              <a:rPr sz="2000" spc="-20" dirty="0">
+                <a:solidFill>
+                  <a:srgbClr val="404040"/>
+                </a:solidFill>
+                <a:latin typeface="Carlito"/>
+                <a:cs typeface="Carlito"/>
+              </a:rPr>
+              <a:t>site </a:t>
+            </a:r>
+            <a:r>
+              <a:rPr sz="2000" spc="-5" dirty="0">
+                <a:solidFill>
+                  <a:srgbClr val="404040"/>
+                </a:solidFill>
+                <a:latin typeface="Carlito"/>
+                <a:cs typeface="Carlito"/>
+              </a:rPr>
+              <a:t>names, mission </a:t>
+            </a:r>
+            <a:r>
+              <a:rPr sz="2000" spc="-20" dirty="0">
+                <a:solidFill>
+                  <a:srgbClr val="404040"/>
+                </a:solidFill>
+                <a:latin typeface="Carlito"/>
+                <a:cs typeface="Carlito"/>
+              </a:rPr>
+              <a:t>outcomes, various pay </a:t>
+            </a:r>
+            <a:r>
+              <a:rPr sz="2000" dirty="0">
+                <a:solidFill>
+                  <a:srgbClr val="404040"/>
+                </a:solidFill>
+                <a:latin typeface="Carlito"/>
+                <a:cs typeface="Carlito"/>
+              </a:rPr>
+              <a:t>load </a:t>
+            </a:r>
+            <a:r>
+              <a:rPr sz="2000" spc="-25" dirty="0">
+                <a:solidFill>
+                  <a:srgbClr val="404040"/>
+                </a:solidFill>
+                <a:latin typeface="Carlito"/>
+                <a:cs typeface="Carlito"/>
+              </a:rPr>
+              <a:t>sizes </a:t>
+            </a:r>
+            <a:r>
+              <a:rPr sz="2000" spc="-5" dirty="0">
+                <a:solidFill>
+                  <a:srgbClr val="404040"/>
+                </a:solidFill>
+                <a:latin typeface="Carlito"/>
+                <a:cs typeface="Carlito"/>
+              </a:rPr>
+              <a:t>of  </a:t>
+            </a:r>
+            <a:r>
+              <a:rPr sz="2000" spc="-25" dirty="0">
+                <a:solidFill>
+                  <a:srgbClr val="404040"/>
+                </a:solidFill>
+                <a:latin typeface="Carlito"/>
+                <a:cs typeface="Carlito"/>
+              </a:rPr>
+              <a:t>customers </a:t>
+            </a:r>
+            <a:r>
+              <a:rPr sz="2000" dirty="0">
+                <a:solidFill>
+                  <a:srgbClr val="404040"/>
+                </a:solidFill>
+                <a:latin typeface="Carlito"/>
+                <a:cs typeface="Carlito"/>
+              </a:rPr>
+              <a:t>and </a:t>
+            </a:r>
+            <a:r>
+              <a:rPr sz="2000" spc="-20" dirty="0">
+                <a:solidFill>
+                  <a:srgbClr val="404040"/>
+                </a:solidFill>
+                <a:latin typeface="Carlito"/>
+                <a:cs typeface="Carlito"/>
+              </a:rPr>
+              <a:t>booster </a:t>
+            </a:r>
+            <a:r>
+              <a:rPr sz="2000" spc="-25" dirty="0">
+                <a:solidFill>
+                  <a:srgbClr val="404040"/>
+                </a:solidFill>
+                <a:latin typeface="Carlito"/>
+                <a:cs typeface="Carlito"/>
+              </a:rPr>
+              <a:t>versions, </a:t>
+            </a:r>
+            <a:r>
+              <a:rPr sz="2000" dirty="0">
+                <a:solidFill>
+                  <a:srgbClr val="404040"/>
+                </a:solidFill>
+                <a:latin typeface="Carlito"/>
+                <a:cs typeface="Carlito"/>
+              </a:rPr>
+              <a:t>and landing</a:t>
+            </a:r>
+            <a:r>
+              <a:rPr sz="2000" spc="5" dirty="0">
+                <a:solidFill>
+                  <a:srgbClr val="404040"/>
+                </a:solidFill>
+                <a:latin typeface="Carlito"/>
+                <a:cs typeface="Carlito"/>
+              </a:rPr>
+              <a:t> </a:t>
+            </a:r>
+            <a:r>
+              <a:rPr sz="2000" spc="-15" dirty="0">
+                <a:solidFill>
+                  <a:srgbClr val="404040"/>
+                </a:solidFill>
+                <a:latin typeface="Carlito"/>
+                <a:cs typeface="Carlito"/>
+              </a:rPr>
+              <a:t>outcomes</a:t>
+            </a:r>
+            <a:endParaRPr sz="2000" dirty="0">
+              <a:latin typeface="Carlito"/>
+              <a:cs typeface="Carlito"/>
+            </a:endParaRPr>
+          </a:p>
+          <a:p>
+            <a:pPr>
+              <a:lnSpc>
+                <a:spcPct val="100000"/>
+              </a:lnSpc>
+              <a:spcBef>
+                <a:spcPts val="30"/>
+              </a:spcBef>
+            </a:pPr>
+            <a:endParaRPr sz="2450" dirty="0">
+              <a:latin typeface="Carlito"/>
+              <a:cs typeface="Carlito"/>
+            </a:endParaRPr>
+          </a:p>
+          <a:p>
+            <a:pPr marL="12700" marR="5080">
+              <a:lnSpc>
+                <a:spcPct val="149000"/>
+              </a:lnSpc>
+            </a:pPr>
+            <a:r>
+              <a:rPr sz="2000" u="heavy" dirty="0">
+                <a:solidFill>
+                  <a:srgbClr val="404040"/>
+                </a:solidFill>
+                <a:uFill>
+                  <a:solidFill>
+                    <a:srgbClr val="404040"/>
+                  </a:solidFill>
+                </a:uFill>
+                <a:latin typeface="Carlito"/>
+                <a:cs typeface="Carlito"/>
+              </a:rPr>
+              <a:t>GitHub </a:t>
+            </a:r>
+            <a:r>
+              <a:rPr sz="2000" u="heavy" spc="-5" dirty="0">
+                <a:solidFill>
+                  <a:srgbClr val="404040"/>
+                </a:solidFill>
+                <a:uFill>
+                  <a:solidFill>
+                    <a:srgbClr val="404040"/>
+                  </a:solidFill>
+                </a:uFill>
+                <a:latin typeface="Carlito"/>
+                <a:cs typeface="Carlito"/>
+              </a:rPr>
+              <a:t>url: </a:t>
+            </a:r>
+            <a:r>
+              <a:rPr sz="2000" spc="-5" dirty="0">
+                <a:solidFill>
+                  <a:srgbClr val="404040"/>
+                </a:solidFill>
+                <a:latin typeface="Carlito"/>
+                <a:cs typeface="Carlito"/>
+              </a:rPr>
+              <a:t> </a:t>
+            </a:r>
+            <a:r>
+              <a:rPr lang="en-IN" sz="2000" u="heavy" spc="-5" dirty="0">
+                <a:solidFill>
+                  <a:srgbClr val="2996E1"/>
+                </a:solidFill>
+                <a:uFill>
+                  <a:solidFill>
+                    <a:srgbClr val="2996E1"/>
+                  </a:solidFill>
+                </a:uFill>
+                <a:latin typeface="Carlito"/>
+                <a:cs typeface="Carlito"/>
+                <a:hlinkClick r:id="rId2"/>
+              </a:rPr>
+              <a:t>EDA SQL Link</a:t>
+            </a:r>
+            <a:endParaRPr sz="2000" dirty="0">
+              <a:latin typeface="Carlito"/>
+              <a:cs typeface="Carlito"/>
+            </a:endParaRPr>
+          </a:p>
+        </p:txBody>
+      </p:sp>
+    </p:spTree>
+  </p:cSld>
+  <p:clrMapOvr>
+    <a:masterClrMapping/>
+  </p:clrMapOvr>
+</p:sld>
+</file>
+
+<file path=ppt/slides/slide12.xml><?xml version="1.0" encoding="utf-8"?>
 <p:sld xmlns:a="http://schemas.openxmlformats.org/drawingml/2006/main" xmlns:r="http://schemas.openxmlformats.org/officeDocument/2006/relationships" xmlns:p="http://schemas.openxmlformats.org/presentationml/2006/main">
   <p:cSld>
     <p:spTree>
@@ -3377,7 +4079,7 @@
             </a:pPr>
             <a:fld id="{81D60167-4931-47E6-BA6A-407CBD079E47}" type="slidenum">
               <a:rPr dirty="0"/>
-              <a:t>11</a:t>
+              <a:t>12</a:t>
             </a:fld>
             <a:endParaRPr dirty="0"/>
           </a:p>
@@ -3392,7 +4094,7 @@
         <p:spPr>
           <a:xfrm>
             <a:off x="1176019" y="1824608"/>
-            <a:ext cx="9963150" cy="3583940"/>
+            <a:ext cx="9963150" cy="2992486"/>
           </a:xfrm>
           <a:prstGeom prst="rect">
             <a:avLst/>
@@ -4248,709 +4950,7 @@
                 <a:cs typeface="Carlito"/>
                 <a:hlinkClick r:id="rId2"/>
               </a:rPr>
-              <a:t>https://github.com/navassherif98/IBM_Data_Science_Professional_Certification/blob/master/10.Applied_Data_Science_Capstone/Week%202%20EDA/EDA%20with%20Visualization.ipynb</a:t>
-            </a:r>
-            <a:endParaRPr sz="2000" dirty="0">
-              <a:latin typeface="Carlito"/>
-              <a:cs typeface="Carlito"/>
-            </a:endParaRPr>
-          </a:p>
-        </p:txBody>
-      </p:sp>
-    </p:spTree>
-  </p:cSld>
-  <p:clrMapOvr>
-    <a:masterClrMapping/>
-  </p:clrMapOvr>
-</p:sld>
-</file>
-
-<file path=ppt/slides/slide12.xml><?xml version="1.0" encoding="utf-8"?>
-<p:sld xmlns:a="http://schemas.openxmlformats.org/drawingml/2006/main" xmlns:r="http://schemas.openxmlformats.org/officeDocument/2006/relationships" xmlns:p="http://schemas.openxmlformats.org/presentationml/2006/main">
-  <p:cSld>
-    <p:spTree>
-      <p:nvGrpSpPr>
-        <p:cNvPr id="1" name=""/>
-        <p:cNvGrpSpPr/>
-        <p:nvPr/>
-      </p:nvGrpSpPr>
-      <p:grpSpPr>
-        <a:xfrm>
-          <a:off x="0" y="0"/>
-          <a:ext cx="0" cy="0"/>
-          <a:chOff x="0" y="0"/>
-          <a:chExt cx="0" cy="0"/>
-        </a:xfrm>
-      </p:grpSpPr>
-      <p:sp>
-        <p:nvSpPr>
-          <p:cNvPr id="2" name="object 2"/>
-          <p:cNvSpPr/>
-          <p:nvPr/>
-        </p:nvSpPr>
-        <p:spPr>
-          <a:xfrm>
-            <a:off x="1193291" y="1737360"/>
-            <a:ext cx="9966960" cy="0"/>
-          </a:xfrm>
-          <a:custGeom>
-            <a:avLst/>
-            <a:gdLst/>
-            <a:ahLst/>
-            <a:cxnLst/>
-            <a:rect l="l" t="t" r="r" b="b"/>
-            <a:pathLst>
-              <a:path w="9966960">
-                <a:moveTo>
-                  <a:pt x="0" y="0"/>
-                </a:moveTo>
-                <a:lnTo>
-                  <a:pt x="9966960" y="0"/>
-                </a:lnTo>
-              </a:path>
-            </a:pathLst>
-          </a:custGeom>
-          <a:ln w="6096">
-            <a:solidFill>
-              <a:srgbClr val="7D7D7D"/>
-            </a:solidFill>
-          </a:ln>
-        </p:spPr>
-        <p:txBody>
-          <a:bodyPr wrap="square" lIns="0" tIns="0" rIns="0" bIns="0" rtlCol="0"/>
-          <a:lstStyle/>
-          <a:p>
-            <a:endParaRPr/>
-          </a:p>
-        </p:txBody>
-      </p:sp>
-      <p:sp>
-        <p:nvSpPr>
-          <p:cNvPr id="3" name="object 3"/>
-          <p:cNvSpPr txBox="1">
-            <a:spLocks noGrp="1"/>
-          </p:cNvSpPr>
-          <p:nvPr>
-            <p:ph type="title"/>
-          </p:nvPr>
-        </p:nvSpPr>
-        <p:spPr>
-          <a:xfrm>
-            <a:off x="1176019" y="808128"/>
-            <a:ext cx="3245485" cy="756920"/>
-          </a:xfrm>
-          <a:prstGeom prst="rect">
-            <a:avLst/>
-          </a:prstGeom>
-        </p:spPr>
-        <p:txBody>
-          <a:bodyPr vert="horz" wrap="square" lIns="0" tIns="12700" rIns="0" bIns="0" rtlCol="0">
-            <a:spAutoFit/>
-          </a:bodyPr>
-          <a:lstStyle/>
-          <a:p>
-            <a:pPr marL="12700">
-              <a:lnSpc>
-                <a:spcPct val="100000"/>
-              </a:lnSpc>
-              <a:spcBef>
-                <a:spcPts val="100"/>
-              </a:spcBef>
-            </a:pPr>
-            <a:r>
-              <a:rPr spc="-670" dirty="0"/>
-              <a:t>EDA </a:t>
-            </a:r>
-            <a:r>
-              <a:rPr spc="-45" dirty="0"/>
-              <a:t>with</a:t>
-            </a:r>
-            <a:r>
-              <a:rPr spc="-280" dirty="0"/>
-              <a:t> </a:t>
-            </a:r>
-            <a:r>
-              <a:rPr spc="-770" dirty="0"/>
-              <a:t>SQL</a:t>
-            </a:r>
-          </a:p>
-        </p:txBody>
-      </p:sp>
-      <p:sp>
-        <p:nvSpPr>
-          <p:cNvPr id="5" name="object 5"/>
-          <p:cNvSpPr txBox="1">
-            <a:spLocks noGrp="1"/>
-          </p:cNvSpPr>
-          <p:nvPr>
-            <p:ph type="sldNum" sz="quarter" idx="7"/>
-          </p:nvPr>
-        </p:nvSpPr>
-        <p:spPr>
-          <a:prstGeom prst="rect">
-            <a:avLst/>
-          </a:prstGeom>
-        </p:spPr>
-        <p:txBody>
-          <a:bodyPr vert="horz" wrap="square" lIns="0" tIns="0" rIns="0" bIns="0" rtlCol="0">
-            <a:spAutoFit/>
-          </a:bodyPr>
-          <a:lstStyle/>
-          <a:p>
-            <a:pPr marL="38100">
-              <a:lnSpc>
-                <a:spcPts val="1100"/>
-              </a:lnSpc>
-            </a:pPr>
-            <a:fld id="{81D60167-4931-47E6-BA6A-407CBD079E47}" type="slidenum">
-              <a:rPr dirty="0"/>
-              <a:t>12</a:t>
-            </a:fld>
-            <a:endParaRPr dirty="0"/>
-          </a:p>
-        </p:txBody>
-      </p:sp>
-      <p:sp>
-        <p:nvSpPr>
-          <p:cNvPr id="4" name="object 4"/>
-          <p:cNvSpPr txBox="1"/>
-          <p:nvPr/>
-        </p:nvSpPr>
-        <p:spPr>
-          <a:xfrm>
-            <a:off x="1176019" y="1622485"/>
-            <a:ext cx="9687560" cy="3925570"/>
-          </a:xfrm>
-          <a:prstGeom prst="rect">
-            <a:avLst/>
-          </a:prstGeom>
-        </p:spPr>
-        <p:txBody>
-          <a:bodyPr vert="horz" wrap="square" lIns="0" tIns="162560" rIns="0" bIns="0" rtlCol="0">
-            <a:spAutoFit/>
-          </a:bodyPr>
-          <a:lstStyle/>
-          <a:p>
-            <a:pPr marL="12700">
-              <a:lnSpc>
-                <a:spcPct val="100000"/>
-              </a:lnSpc>
-              <a:spcBef>
-                <a:spcPts val="1280"/>
-              </a:spcBef>
-            </a:pPr>
-            <a:r>
-              <a:rPr sz="2000" spc="-5" dirty="0">
-                <a:solidFill>
-                  <a:srgbClr val="404040"/>
-                </a:solidFill>
-                <a:latin typeface="Carlito"/>
-                <a:cs typeface="Carlito"/>
-              </a:rPr>
-              <a:t>Loaded </a:t>
-            </a:r>
-            <a:r>
-              <a:rPr sz="2000" spc="-25" dirty="0">
-                <a:solidFill>
-                  <a:srgbClr val="404040"/>
-                </a:solidFill>
-                <a:latin typeface="Carlito"/>
-                <a:cs typeface="Carlito"/>
-              </a:rPr>
-              <a:t>data </a:t>
-            </a:r>
-            <a:r>
-              <a:rPr sz="2000" spc="-10" dirty="0">
-                <a:solidFill>
-                  <a:srgbClr val="404040"/>
-                </a:solidFill>
-                <a:latin typeface="Carlito"/>
-                <a:cs typeface="Carlito"/>
-              </a:rPr>
-              <a:t>set </a:t>
-            </a:r>
-            <a:r>
-              <a:rPr sz="2000" spc="-25" dirty="0">
-                <a:solidFill>
-                  <a:srgbClr val="404040"/>
-                </a:solidFill>
-                <a:latin typeface="Carlito"/>
-                <a:cs typeface="Carlito"/>
-              </a:rPr>
-              <a:t>into </a:t>
-            </a:r>
-            <a:r>
-              <a:rPr sz="2000" dirty="0">
-                <a:solidFill>
-                  <a:srgbClr val="404040"/>
-                </a:solidFill>
-                <a:latin typeface="Carlito"/>
-                <a:cs typeface="Carlito"/>
-              </a:rPr>
-              <a:t>IBM DB2</a:t>
-            </a:r>
-            <a:r>
-              <a:rPr sz="2000" spc="-125" dirty="0">
-                <a:solidFill>
-                  <a:srgbClr val="404040"/>
-                </a:solidFill>
-                <a:latin typeface="Carlito"/>
-                <a:cs typeface="Carlito"/>
-              </a:rPr>
-              <a:t> </a:t>
-            </a:r>
-            <a:r>
-              <a:rPr sz="2000" spc="-5" dirty="0">
-                <a:solidFill>
-                  <a:srgbClr val="404040"/>
-                </a:solidFill>
-                <a:latin typeface="Carlito"/>
-                <a:cs typeface="Carlito"/>
-              </a:rPr>
-              <a:t>Database.</a:t>
-            </a:r>
-            <a:endParaRPr sz="2000" dirty="0">
-              <a:latin typeface="Carlito"/>
-              <a:cs typeface="Carlito"/>
-            </a:endParaRPr>
-          </a:p>
-          <a:p>
-            <a:pPr marL="12700">
-              <a:lnSpc>
-                <a:spcPct val="100000"/>
-              </a:lnSpc>
-              <a:spcBef>
-                <a:spcPts val="1175"/>
-              </a:spcBef>
-            </a:pPr>
-            <a:r>
-              <a:rPr sz="2000" spc="-5" dirty="0">
-                <a:solidFill>
-                  <a:srgbClr val="404040"/>
-                </a:solidFill>
-                <a:latin typeface="Carlito"/>
-                <a:cs typeface="Carlito"/>
-              </a:rPr>
-              <a:t>Queried using SQL </a:t>
-            </a:r>
-            <a:r>
-              <a:rPr sz="2000" dirty="0">
-                <a:solidFill>
-                  <a:srgbClr val="404040"/>
-                </a:solidFill>
-                <a:latin typeface="Carlito"/>
-                <a:cs typeface="Carlito"/>
-              </a:rPr>
-              <a:t>Python</a:t>
-            </a:r>
-            <a:r>
-              <a:rPr sz="2000" spc="-100" dirty="0">
-                <a:solidFill>
-                  <a:srgbClr val="404040"/>
-                </a:solidFill>
-                <a:latin typeface="Carlito"/>
-                <a:cs typeface="Carlito"/>
-              </a:rPr>
-              <a:t> </a:t>
-            </a:r>
-            <a:r>
-              <a:rPr sz="2000" spc="-25" dirty="0">
-                <a:solidFill>
-                  <a:srgbClr val="404040"/>
-                </a:solidFill>
-                <a:latin typeface="Carlito"/>
-                <a:cs typeface="Carlito"/>
-              </a:rPr>
-              <a:t>integration.</a:t>
-            </a:r>
-            <a:endParaRPr sz="2000" dirty="0">
-              <a:latin typeface="Carlito"/>
-              <a:cs typeface="Carlito"/>
-            </a:endParaRPr>
-          </a:p>
-          <a:p>
-            <a:pPr marL="12700">
-              <a:lnSpc>
-                <a:spcPct val="100000"/>
-              </a:lnSpc>
-              <a:spcBef>
-                <a:spcPts val="1560"/>
-              </a:spcBef>
-            </a:pPr>
-            <a:r>
-              <a:rPr sz="2000" spc="-5" dirty="0">
-                <a:solidFill>
-                  <a:srgbClr val="404040"/>
-                </a:solidFill>
-                <a:latin typeface="Carlito"/>
-                <a:cs typeface="Carlito"/>
-              </a:rPr>
-              <a:t>Queries </a:t>
-            </a:r>
-            <a:r>
-              <a:rPr sz="2000" spc="-20" dirty="0">
-                <a:solidFill>
-                  <a:srgbClr val="404040"/>
-                </a:solidFill>
-                <a:latin typeface="Carlito"/>
-                <a:cs typeface="Carlito"/>
-              </a:rPr>
-              <a:t>were </a:t>
-            </a:r>
-            <a:r>
-              <a:rPr sz="2000" dirty="0">
-                <a:solidFill>
-                  <a:srgbClr val="404040"/>
-                </a:solidFill>
-                <a:latin typeface="Carlito"/>
-                <a:cs typeface="Carlito"/>
-              </a:rPr>
-              <a:t>made </a:t>
-            </a:r>
-            <a:r>
-              <a:rPr sz="2000" spc="-20" dirty="0">
-                <a:solidFill>
-                  <a:srgbClr val="404040"/>
-                </a:solidFill>
-                <a:latin typeface="Carlito"/>
-                <a:cs typeface="Carlito"/>
-              </a:rPr>
-              <a:t>to </a:t>
-            </a:r>
-            <a:r>
-              <a:rPr sz="2000" spc="-10" dirty="0">
-                <a:solidFill>
-                  <a:srgbClr val="404040"/>
-                </a:solidFill>
-                <a:latin typeface="Carlito"/>
-                <a:cs typeface="Carlito"/>
-              </a:rPr>
-              <a:t>get </a:t>
-            </a:r>
-            <a:r>
-              <a:rPr sz="2000" dirty="0">
-                <a:solidFill>
-                  <a:srgbClr val="404040"/>
-                </a:solidFill>
-                <a:latin typeface="Carlito"/>
-                <a:cs typeface="Carlito"/>
-              </a:rPr>
-              <a:t>a </a:t>
-            </a:r>
-            <a:r>
-              <a:rPr sz="2000" spc="-25" dirty="0">
-                <a:solidFill>
-                  <a:srgbClr val="404040"/>
-                </a:solidFill>
-                <a:latin typeface="Carlito"/>
-                <a:cs typeface="Carlito"/>
-              </a:rPr>
-              <a:t>better </a:t>
-            </a:r>
-            <a:r>
-              <a:rPr sz="2000" spc="-20" dirty="0">
-                <a:solidFill>
-                  <a:srgbClr val="404040"/>
-                </a:solidFill>
-                <a:latin typeface="Carlito"/>
-                <a:cs typeface="Carlito"/>
-              </a:rPr>
-              <a:t>understanding </a:t>
-            </a:r>
-            <a:r>
-              <a:rPr sz="2000" spc="-5" dirty="0">
-                <a:solidFill>
-                  <a:srgbClr val="404040"/>
-                </a:solidFill>
-                <a:latin typeface="Carlito"/>
-                <a:cs typeface="Carlito"/>
-              </a:rPr>
-              <a:t>of </a:t>
-            </a:r>
-            <a:r>
-              <a:rPr sz="2000" dirty="0">
-                <a:solidFill>
-                  <a:srgbClr val="404040"/>
-                </a:solidFill>
-                <a:latin typeface="Carlito"/>
-                <a:cs typeface="Carlito"/>
-              </a:rPr>
-              <a:t>the</a:t>
-            </a:r>
-            <a:r>
-              <a:rPr sz="2000" spc="25" dirty="0">
-                <a:solidFill>
-                  <a:srgbClr val="404040"/>
-                </a:solidFill>
-                <a:latin typeface="Carlito"/>
-                <a:cs typeface="Carlito"/>
-              </a:rPr>
-              <a:t> </a:t>
-            </a:r>
-            <a:r>
-              <a:rPr sz="2000" spc="-20" dirty="0">
-                <a:solidFill>
-                  <a:srgbClr val="404040"/>
-                </a:solidFill>
-                <a:latin typeface="Carlito"/>
-                <a:cs typeface="Carlito"/>
-              </a:rPr>
-              <a:t>dataset.</a:t>
-            </a:r>
-            <a:endParaRPr sz="2000" dirty="0">
-              <a:latin typeface="Carlito"/>
-              <a:cs typeface="Carlito"/>
-            </a:endParaRPr>
-          </a:p>
-          <a:p>
-            <a:pPr marL="12700" marR="434975">
-              <a:lnSpc>
-                <a:spcPts val="2200"/>
-              </a:lnSpc>
-              <a:spcBef>
-                <a:spcPts val="1440"/>
-              </a:spcBef>
-            </a:pPr>
-            <a:r>
-              <a:rPr sz="2000" spc="-5" dirty="0">
-                <a:solidFill>
-                  <a:srgbClr val="404040"/>
-                </a:solidFill>
-                <a:latin typeface="Carlito"/>
-                <a:cs typeface="Carlito"/>
-              </a:rPr>
-              <a:t>Queried </a:t>
-            </a:r>
-            <a:r>
-              <a:rPr sz="2000" spc="-20" dirty="0">
-                <a:solidFill>
-                  <a:srgbClr val="404040"/>
-                </a:solidFill>
-                <a:latin typeface="Carlito"/>
-                <a:cs typeface="Carlito"/>
-              </a:rPr>
-              <a:t>information </a:t>
-            </a:r>
-            <a:r>
-              <a:rPr sz="2000" dirty="0">
-                <a:solidFill>
-                  <a:srgbClr val="404040"/>
-                </a:solidFill>
-                <a:latin typeface="Carlito"/>
-                <a:cs typeface="Carlito"/>
-              </a:rPr>
-              <a:t>about launch </a:t>
-            </a:r>
-            <a:r>
-              <a:rPr sz="2000" spc="-20" dirty="0">
-                <a:solidFill>
-                  <a:srgbClr val="404040"/>
-                </a:solidFill>
-                <a:latin typeface="Carlito"/>
-                <a:cs typeface="Carlito"/>
-              </a:rPr>
-              <a:t>site </a:t>
-            </a:r>
-            <a:r>
-              <a:rPr sz="2000" spc="-5" dirty="0">
-                <a:solidFill>
-                  <a:srgbClr val="404040"/>
-                </a:solidFill>
-                <a:latin typeface="Carlito"/>
-                <a:cs typeface="Carlito"/>
-              </a:rPr>
-              <a:t>names, mission </a:t>
-            </a:r>
-            <a:r>
-              <a:rPr sz="2000" spc="-20" dirty="0">
-                <a:solidFill>
-                  <a:srgbClr val="404040"/>
-                </a:solidFill>
-                <a:latin typeface="Carlito"/>
-                <a:cs typeface="Carlito"/>
-              </a:rPr>
-              <a:t>outcomes, various pay </a:t>
-            </a:r>
-            <a:r>
-              <a:rPr sz="2000" dirty="0">
-                <a:solidFill>
-                  <a:srgbClr val="404040"/>
-                </a:solidFill>
-                <a:latin typeface="Carlito"/>
-                <a:cs typeface="Carlito"/>
-              </a:rPr>
-              <a:t>load </a:t>
-            </a:r>
-            <a:r>
-              <a:rPr sz="2000" spc="-25" dirty="0">
-                <a:solidFill>
-                  <a:srgbClr val="404040"/>
-                </a:solidFill>
-                <a:latin typeface="Carlito"/>
-                <a:cs typeface="Carlito"/>
-              </a:rPr>
-              <a:t>sizes </a:t>
-            </a:r>
-            <a:r>
-              <a:rPr sz="2000" spc="-5" dirty="0">
-                <a:solidFill>
-                  <a:srgbClr val="404040"/>
-                </a:solidFill>
-                <a:latin typeface="Carlito"/>
-                <a:cs typeface="Carlito"/>
-              </a:rPr>
-              <a:t>of  </a:t>
-            </a:r>
-            <a:r>
-              <a:rPr sz="2000" spc="-25" dirty="0">
-                <a:solidFill>
-                  <a:srgbClr val="404040"/>
-                </a:solidFill>
-                <a:latin typeface="Carlito"/>
-                <a:cs typeface="Carlito"/>
-              </a:rPr>
-              <a:t>customers </a:t>
-            </a:r>
-            <a:r>
-              <a:rPr sz="2000" dirty="0">
-                <a:solidFill>
-                  <a:srgbClr val="404040"/>
-                </a:solidFill>
-                <a:latin typeface="Carlito"/>
-                <a:cs typeface="Carlito"/>
-              </a:rPr>
-              <a:t>and </a:t>
-            </a:r>
-            <a:r>
-              <a:rPr sz="2000" spc="-20" dirty="0">
-                <a:solidFill>
-                  <a:srgbClr val="404040"/>
-                </a:solidFill>
-                <a:latin typeface="Carlito"/>
-                <a:cs typeface="Carlito"/>
-              </a:rPr>
-              <a:t>booster </a:t>
-            </a:r>
-            <a:r>
-              <a:rPr sz="2000" spc="-25" dirty="0">
-                <a:solidFill>
-                  <a:srgbClr val="404040"/>
-                </a:solidFill>
-                <a:latin typeface="Carlito"/>
-                <a:cs typeface="Carlito"/>
-              </a:rPr>
-              <a:t>versions, </a:t>
-            </a:r>
-            <a:r>
-              <a:rPr sz="2000" dirty="0">
-                <a:solidFill>
-                  <a:srgbClr val="404040"/>
-                </a:solidFill>
-                <a:latin typeface="Carlito"/>
-                <a:cs typeface="Carlito"/>
-              </a:rPr>
-              <a:t>and landing</a:t>
-            </a:r>
-            <a:r>
-              <a:rPr sz="2000" spc="5" dirty="0">
-                <a:solidFill>
-                  <a:srgbClr val="404040"/>
-                </a:solidFill>
-                <a:latin typeface="Carlito"/>
-                <a:cs typeface="Carlito"/>
-              </a:rPr>
-              <a:t> </a:t>
-            </a:r>
-            <a:r>
-              <a:rPr sz="2000" spc="-15" dirty="0">
-                <a:solidFill>
-                  <a:srgbClr val="404040"/>
-                </a:solidFill>
-                <a:latin typeface="Carlito"/>
-                <a:cs typeface="Carlito"/>
-              </a:rPr>
-              <a:t>outcomes</a:t>
-            </a:r>
-            <a:endParaRPr sz="2000" dirty="0">
-              <a:latin typeface="Carlito"/>
-              <a:cs typeface="Carlito"/>
-            </a:endParaRPr>
-          </a:p>
-          <a:p>
-            <a:pPr>
-              <a:lnSpc>
-                <a:spcPct val="100000"/>
-              </a:lnSpc>
-              <a:spcBef>
-                <a:spcPts val="30"/>
-              </a:spcBef>
-            </a:pPr>
-            <a:endParaRPr sz="2450" dirty="0">
-              <a:latin typeface="Carlito"/>
-              <a:cs typeface="Carlito"/>
-            </a:endParaRPr>
-          </a:p>
-          <a:p>
-            <a:pPr marL="12700" marR="5080">
-              <a:lnSpc>
-                <a:spcPct val="149000"/>
-              </a:lnSpc>
-            </a:pPr>
-            <a:r>
-              <a:rPr sz="2000" u="heavy" dirty="0">
-                <a:solidFill>
-                  <a:srgbClr val="404040"/>
-                </a:solidFill>
-                <a:uFill>
-                  <a:solidFill>
-                    <a:srgbClr val="404040"/>
-                  </a:solidFill>
-                </a:uFill>
-                <a:latin typeface="Carlito"/>
-                <a:cs typeface="Carlito"/>
-              </a:rPr>
-              <a:t>GitHub </a:t>
-            </a:r>
-            <a:r>
-              <a:rPr sz="2000" u="heavy" spc="-5" dirty="0">
-                <a:solidFill>
-                  <a:srgbClr val="404040"/>
-                </a:solidFill>
-                <a:uFill>
-                  <a:solidFill>
-                    <a:srgbClr val="404040"/>
-                  </a:solidFill>
-                </a:uFill>
-                <a:latin typeface="Carlito"/>
-                <a:cs typeface="Carlito"/>
-              </a:rPr>
-              <a:t>url: </a:t>
-            </a:r>
-            <a:r>
-              <a:rPr sz="2000" spc="-5" dirty="0">
-                <a:solidFill>
-                  <a:srgbClr val="404040"/>
-                </a:solidFill>
-                <a:latin typeface="Carlito"/>
-                <a:cs typeface="Carlito"/>
-              </a:rPr>
-              <a:t> </a:t>
-            </a:r>
-            <a:r>
-              <a:rPr lang="en-IN" sz="2000" u="heavy" spc="-5" dirty="0">
-                <a:solidFill>
-                  <a:srgbClr val="2996E1"/>
-                </a:solidFill>
-                <a:uFill>
-                  <a:solidFill>
-                    <a:srgbClr val="2996E1"/>
-                  </a:solidFill>
-                </a:uFill>
-                <a:latin typeface="Carlito"/>
-                <a:cs typeface="Carlito"/>
-                <a:hlinkClick r:id="rId2"/>
-              </a:rPr>
-              <a:t>https://github.com/navassherif98/IBM_Data_Science_Professional_Certification/blob/master/10.Applied_Data_Science_Capstone/Week%202%20EDA/EDA%20with%20SQL.ipynb</a:t>
+              <a:t>EDA Data Viz Link</a:t>
             </a:r>
             <a:endParaRPr sz="2000" dirty="0">
               <a:latin typeface="Carlito"/>
@@ -5133,7 +5133,7 @@
         <p:spPr>
           <a:xfrm>
             <a:off x="1176019" y="1824608"/>
-            <a:ext cx="9765665" cy="3162789"/>
+            <a:ext cx="9765665" cy="2239459"/>
           </a:xfrm>
           <a:prstGeom prst="rect">
             <a:avLst/>
@@ -5584,7 +5584,7 @@
                 <a:cs typeface="Carlito"/>
                 <a:hlinkClick r:id="rId2"/>
               </a:rPr>
-              <a:t>https://github.com/navassherif98/IBM_Data_Science_Professional_Certification/blob/master/10.Applied_Data_Science_Capstone/Week%203%20Interactive%20Visual%20Analytics%20and%20Dashboard/Interactive%20Visual%20Analytics%20with%20Folium.ipynb</a:t>
+              <a:t>Interactive Map Folium Link</a:t>
             </a:r>
             <a:endParaRPr sz="2000" dirty="0">
               <a:latin typeface="Carlito"/>
@@ -5767,7 +5767,7 @@
         <p:spPr>
           <a:xfrm>
             <a:off x="1197302" y="1393375"/>
-            <a:ext cx="10308898" cy="4940840"/>
+            <a:ext cx="10308898" cy="4017510"/>
           </a:xfrm>
           <a:prstGeom prst="rect">
             <a:avLst/>
@@ -6628,7 +6628,7 @@
               </a:spcBef>
             </a:pPr>
             <a:r>
-              <a:rPr lang="en-IN" sz="2000" u="heavy" spc="-10" dirty="0">
+              <a:rPr lang="en-IN" sz="2000" u="heavy" spc="-10" dirty="0" err="1">
                 <a:solidFill>
                   <a:srgbClr val="2996E1"/>
                 </a:solidFill>
@@ -6641,7 +6641,23 @@
                 <a:cs typeface="Carlito"/>
                 <a:hlinkClick r:id="rId2"/>
               </a:rPr>
-              <a:t>https://github.com/navassherif98/IBM_Data_Science_Professional_Certification/blob/master/10.Applied_Data_Science_Capstone/Week%203%20Interactive%20Visual%20Analytics%20and%20Dashboard/spacex_dash_app.py</a:t>
+              <a:t>Plotly</a:t>
+            </a:r>
+            <a:r>
+              <a:rPr lang="en-IN" sz="2000" u="heavy" spc="-10" dirty="0">
+                <a:solidFill>
+                  <a:srgbClr val="2996E1"/>
+                </a:solidFill>
+                <a:uFill>
+                  <a:solidFill>
+                    <a:srgbClr val="2996E1"/>
+                  </a:solidFill>
+                </a:uFill>
+                <a:latin typeface="Carlito"/>
+                <a:cs typeface="Carlito"/>
+                <a:hlinkClick r:id="rId2"/>
+              </a:rPr>
+              <a:t> Dash Link</a:t>
             </a:r>
             <a:endParaRPr sz="2000" dirty="0">
               <a:latin typeface="Carlito"/>
@@ -6778,7 +6794,7 @@
         <p:spPr>
           <a:xfrm>
             <a:off x="533401" y="2472309"/>
-            <a:ext cx="3061208" cy="2796278"/>
+            <a:ext cx="3061208" cy="949619"/>
           </a:xfrm>
           <a:prstGeom prst="rect">
             <a:avLst/>
@@ -6871,7 +6887,7 @@
                 <a:cs typeface="Carlito"/>
                 <a:hlinkClick r:id="rId2"/>
               </a:rPr>
-              <a:t>https://github.com/navassherif98/IBM_Data_Science_Professional_Certification/blob/master/10.Applied_Data_Science_Capstone/Week%204%20Predictive%20Analysis%20(Classification)/Machine%20Learning%20Prediction.ipynb</a:t>
+              <a:t>Machine Learning Classification Link</a:t>
             </a:r>
             <a:endParaRPr sz="2000" dirty="0">
               <a:latin typeface="Carlito"/>
@@ -6888,7 +6904,7 @@
         </p:nvGrpSpPr>
         <p:grpSpPr>
           <a:xfrm>
-            <a:off x="3822191" y="1933955"/>
+            <a:off x="3537203" y="1887791"/>
             <a:ext cx="1938655" cy="1728470"/>
             <a:chOff x="3822191" y="1933955"/>
             <a:chExt cx="1938655" cy="1728470"/>
@@ -7151,7 +7167,7 @@
         </p:nvSpPr>
         <p:spPr>
           <a:xfrm>
-            <a:off x="3998721" y="2219960"/>
+            <a:off x="3713733" y="2173796"/>
             <a:ext cx="1568450" cy="285115"/>
           </a:xfrm>
           <a:prstGeom prst="rect">
@@ -7227,7 +7243,7 @@
         </p:nvSpPr>
         <p:spPr>
           <a:xfrm>
-            <a:off x="3917950" y="2456180"/>
+            <a:off x="3632962" y="2410016"/>
             <a:ext cx="1722755" cy="285115"/>
           </a:xfrm>
           <a:prstGeom prst="rect">
@@ -7288,7 +7304,7 @@
               </a:rPr>
               <a:t>dataset</a:t>
             </a:r>
-            <a:endParaRPr sz="1700">
+            <a:endParaRPr sz="1700" dirty="0">
               <a:latin typeface="Carlito"/>
               <a:cs typeface="Carlito"/>
             </a:endParaRPr>
@@ -7303,7 +7319,7 @@
         </p:nvGrpSpPr>
         <p:grpSpPr>
           <a:xfrm>
-            <a:off x="3822191" y="3375659"/>
+            <a:off x="3537203" y="3329495"/>
             <a:ext cx="1938655" cy="1729739"/>
             <a:chOff x="3822191" y="3375659"/>
             <a:chExt cx="1938655" cy="1729739"/>
@@ -7566,7 +7582,7 @@
         </p:nvSpPr>
         <p:spPr>
           <a:xfrm>
-            <a:off x="4010914" y="3544315"/>
+            <a:off x="3725926" y="3498151"/>
             <a:ext cx="1524635" cy="285115"/>
           </a:xfrm>
           <a:prstGeom prst="rect">
@@ -7642,7 +7658,7 @@
         </p:nvSpPr>
         <p:spPr>
           <a:xfrm>
-            <a:off x="4145026" y="3780282"/>
+            <a:off x="3860038" y="3734118"/>
             <a:ext cx="1281430" cy="285115"/>
           </a:xfrm>
           <a:prstGeom prst="rect">
@@ -7708,7 +7724,7 @@
         </p:nvSpPr>
         <p:spPr>
           <a:xfrm>
-            <a:off x="4097782" y="4018026"/>
+            <a:off x="3812794" y="3971862"/>
             <a:ext cx="1367790" cy="285115"/>
           </a:xfrm>
           <a:prstGeom prst="rect">
@@ -7774,7 +7790,7 @@
         </p:nvGrpSpPr>
         <p:grpSpPr>
           <a:xfrm>
-            <a:off x="3822191" y="4818888"/>
+            <a:off x="3537203" y="4772724"/>
             <a:ext cx="2950845" cy="1169035"/>
             <a:chOff x="3822191" y="4818888"/>
             <a:chExt cx="2950845" cy="1169035"/>
@@ -8037,7 +8053,7 @@
         </p:nvSpPr>
         <p:spPr>
           <a:xfrm>
-            <a:off x="4103878" y="5104841"/>
+            <a:off x="3818890" y="5058677"/>
             <a:ext cx="1344930" cy="285750"/>
           </a:xfrm>
           <a:prstGeom prst="rect">
@@ -8083,7 +8099,7 @@
         </p:nvSpPr>
         <p:spPr>
           <a:xfrm>
-            <a:off x="4583938" y="5341747"/>
+            <a:off x="4298950" y="5295583"/>
             <a:ext cx="411480" cy="285115"/>
           </a:xfrm>
           <a:prstGeom prst="rect">
@@ -8159,7 +8175,7 @@
         </p:nvGrpSpPr>
         <p:grpSpPr>
           <a:xfrm>
-            <a:off x="6380988" y="3672840"/>
+            <a:off x="6096000" y="3626676"/>
             <a:ext cx="1938655" cy="2315210"/>
             <a:chOff x="6380988" y="3672840"/>
             <a:chExt cx="1938655" cy="2315210"/>
@@ -8422,7 +8438,7 @@
         </p:nvSpPr>
         <p:spPr>
           <a:xfrm>
-            <a:off x="6735826" y="4986909"/>
+            <a:off x="6450838" y="4940745"/>
             <a:ext cx="1219835" cy="285115"/>
           </a:xfrm>
           <a:prstGeom prst="rect">
@@ -8468,7 +8484,7 @@
         </p:nvSpPr>
         <p:spPr>
           <a:xfrm>
-            <a:off x="6485890" y="5217033"/>
+            <a:off x="6200902" y="5170869"/>
             <a:ext cx="1732280" cy="539750"/>
           </a:xfrm>
           <a:prstGeom prst="rect">
@@ -8534,7 +8550,7 @@
         </p:nvGrpSpPr>
         <p:grpSpPr>
           <a:xfrm>
-            <a:off x="6380988" y="2229611"/>
+            <a:off x="6096000" y="2183447"/>
             <a:ext cx="1938655" cy="2316480"/>
             <a:chOff x="6380988" y="2229611"/>
             <a:chExt cx="1938655" cy="2316480"/>
@@ -8797,7 +8813,7 @@
         </p:nvSpPr>
         <p:spPr>
           <a:xfrm>
-            <a:off x="6546595" y="3425444"/>
+            <a:off x="6261607" y="3379280"/>
             <a:ext cx="1593850" cy="285115"/>
           </a:xfrm>
           <a:prstGeom prst="rect">
@@ -8863,7 +8879,7 @@
         </p:nvSpPr>
         <p:spPr>
           <a:xfrm>
-            <a:off x="6602983" y="3661028"/>
+            <a:off x="6317995" y="3614864"/>
             <a:ext cx="1483995" cy="285115"/>
           </a:xfrm>
           <a:prstGeom prst="rect">
@@ -8929,7 +8945,7 @@
         </p:nvSpPr>
         <p:spPr>
           <a:xfrm>
-            <a:off x="6535928" y="3899408"/>
+            <a:off x="6250940" y="3853244"/>
             <a:ext cx="1602740" cy="285115"/>
           </a:xfrm>
           <a:prstGeom prst="rect">
@@ -9005,7 +9021,7 @@
         </p:nvSpPr>
         <p:spPr>
           <a:xfrm>
-            <a:off x="6795261" y="4135627"/>
+            <a:off x="6510273" y="4089463"/>
             <a:ext cx="1100455" cy="285115"/>
           </a:xfrm>
           <a:prstGeom prst="rect">
@@ -9071,7 +9087,7 @@
         </p:nvGrpSpPr>
         <p:grpSpPr>
           <a:xfrm>
-            <a:off x="6380988" y="1933955"/>
+            <a:off x="6096000" y="1887791"/>
             <a:ext cx="2950845" cy="1169035"/>
             <a:chOff x="6380988" y="1933955"/>
             <a:chExt cx="2950845" cy="1169035"/>
@@ -9334,7 +9350,7 @@
         </p:nvSpPr>
         <p:spPr>
           <a:xfrm>
-            <a:off x="6613906" y="2219960"/>
+            <a:off x="6328918" y="2173796"/>
             <a:ext cx="1455420" cy="285115"/>
           </a:xfrm>
           <a:prstGeom prst="rect">
@@ -9410,7 +9426,7 @@
         </p:nvSpPr>
         <p:spPr>
           <a:xfrm>
-            <a:off x="6805930" y="2456180"/>
+            <a:off x="6520942" y="2410016"/>
             <a:ext cx="1071880" cy="285115"/>
           </a:xfrm>
           <a:prstGeom prst="rect">
@@ -9486,7 +9502,7 @@
         </p:nvGrpSpPr>
         <p:grpSpPr>
           <a:xfrm>
-            <a:off x="8938259" y="1933955"/>
+            <a:off x="8653271" y="1887791"/>
             <a:ext cx="1938655" cy="1728470"/>
             <a:chOff x="8938259" y="1933955"/>
             <a:chExt cx="1938655" cy="1728470"/>
@@ -9749,7 +9765,7 @@
         </p:nvSpPr>
         <p:spPr>
           <a:xfrm>
-            <a:off x="9140697" y="2219960"/>
+            <a:off x="8855709" y="2173796"/>
             <a:ext cx="1519555" cy="285115"/>
           </a:xfrm>
           <a:prstGeom prst="rect">
@@ -9815,7 +9831,7 @@
         </p:nvSpPr>
         <p:spPr>
           <a:xfrm>
-            <a:off x="9299193" y="2456180"/>
+            <a:off x="9014205" y="2410016"/>
             <a:ext cx="1202690" cy="285115"/>
           </a:xfrm>
           <a:prstGeom prst="rect">
@@ -9891,7 +9907,7 @@
         </p:nvGrpSpPr>
         <p:grpSpPr>
           <a:xfrm>
-            <a:off x="8938259" y="3375659"/>
+            <a:off x="8653271" y="3329495"/>
             <a:ext cx="1938655" cy="1170305"/>
             <a:chOff x="8938259" y="3375659"/>
             <a:chExt cx="1938655" cy="1170305"/>
@@ -10104,7 +10120,7 @@
         </p:nvSpPr>
         <p:spPr>
           <a:xfrm>
-            <a:off x="9055354" y="3656457"/>
+            <a:off x="8770366" y="3610293"/>
             <a:ext cx="1709420" cy="539750"/>
           </a:xfrm>
           <a:prstGeom prst="rect">
@@ -34040,7 +34056,7 @@
         <p:spPr>
           <a:xfrm>
             <a:off x="535635" y="5215508"/>
-            <a:ext cx="2988945" cy="1271117"/>
+            <a:ext cx="2988945" cy="243913"/>
           </a:xfrm>
           <a:prstGeom prst="rect">
             <a:avLst/>
@@ -34061,22 +34077,17 @@
               </a:spcBef>
             </a:pPr>
             <a:r>
-              <a:rPr lang="en-IN" sz="1500" u="sng" spc="-10" dirty="0">
+              <a:rPr lang="en-IN" sz="1500" dirty="0">
                 <a:solidFill>
                   <a:schemeClr val="bg1"/>
                 </a:solidFill>
-                <a:uFill>
-                  <a:solidFill>
-                    <a:srgbClr val="2996E1"/>
-                  </a:solidFill>
-                </a:uFill>
                 <a:latin typeface="Carlito"/>
                 <a:cs typeface="Carlito"/>
                 <a:hlinkClick r:id="rId23"/>
               </a:rPr>
-              <a:t>https://github.com/navassherif98/IBM_Data_Science_Professional_Certification/blob/master/10.Applied_Data_Science_Capstone/Week%201%20Introduction/Data%20Collection%20Api%20.ipynb</a:t>
-            </a:r>
-            <a:endParaRPr sz="1500" dirty="0">
+              <a:t>API Collection Link</a:t>
+            </a:r>
+            <a:endParaRPr lang="en-IN" sz="1500" dirty="0">
               <a:solidFill>
                 <a:schemeClr val="bg1"/>
               </a:solidFill>
@@ -35883,7 +35894,7 @@
         <p:spPr>
           <a:xfrm>
             <a:off x="535635" y="4830826"/>
-            <a:ext cx="2988945" cy="1282402"/>
+            <a:ext cx="2988945" cy="243656"/>
           </a:xfrm>
           <a:prstGeom prst="rect">
             <a:avLst/>
@@ -35917,7 +35928,7 @@
                 <a:cs typeface="Carlito"/>
                 <a:hlinkClick r:id="rId17"/>
               </a:rPr>
-              <a:t>https://github.com/navassherif98/IBM_Data_Science_Professional_Certification/blob/master/10.Applied_Data_Science_Capstone/Week%201%20Introduction/Data%20Collection%20with%20Web%20Scraping.ipynb</a:t>
+              <a:t>Web Scrapping Collect Link</a:t>
             </a:r>
             <a:endParaRPr lang="en-IN" sz="1500" dirty="0">
               <a:latin typeface="Carlito"/>
